--- a/ppt 16-9/0321.我爱慕你的.pptx
+++ b/ppt 16-9/0321.我爱慕你的.pptx
@@ -129,7 +129,7 @@
           <p:cNvPr id="2" name="标题 1">
             <a:extLst>
               <a:ext uri="{FF2B5EF4-FFF2-40B4-BE49-F238E27FC236}">
-                <a16:creationId xmlns:a16="http://schemas.microsoft.com/office/drawing/2014/main" id="{A220A061-F2EB-B8CA-9D7A-DCEF72732984}"/>
+                <a16:creationId xmlns:a16="http://schemas.microsoft.com/office/drawing/2014/main" id="{02D47258-8DA1-6CDA-DBAC-3BA726E92678}"/>
               </a:ext>
             </a:extLst>
           </p:cNvPr>
@@ -166,7 +166,7 @@
           <p:cNvPr id="3" name="副标题 2">
             <a:extLst>
               <a:ext uri="{FF2B5EF4-FFF2-40B4-BE49-F238E27FC236}">
-                <a16:creationId xmlns:a16="http://schemas.microsoft.com/office/drawing/2014/main" id="{8BCA24E0-3DAB-5D69-2A18-534C3812919C}"/>
+                <a16:creationId xmlns:a16="http://schemas.microsoft.com/office/drawing/2014/main" id="{AC4F0D1F-55FC-9288-8370-1F998AD0FC51}"/>
               </a:ext>
             </a:extLst>
           </p:cNvPr>
@@ -236,7 +236,7 @@
           <p:cNvPr id="4" name="日期占位符 3">
             <a:extLst>
               <a:ext uri="{FF2B5EF4-FFF2-40B4-BE49-F238E27FC236}">
-                <a16:creationId xmlns:a16="http://schemas.microsoft.com/office/drawing/2014/main" id="{137F60E6-6FAB-EB9D-38D1-CFD08A98B14B}"/>
+                <a16:creationId xmlns:a16="http://schemas.microsoft.com/office/drawing/2014/main" id="{06AD20C6-7ECE-9DC0-9F82-53ACCF8494B1}"/>
               </a:ext>
             </a:extLst>
           </p:cNvPr>
@@ -252,7 +252,7 @@
           <a:bodyPr/>
           <a:lstStyle/>
           <a:p>
-            <a:fld id="{3B3991B9-1EDC-46A0-A7AE-5EC6A60F8FDB}" type="datetimeFigureOut">
+            <a:fld id="{6B50C960-F511-4557-BFD6-27AEE47BBAFF}" type="datetimeFigureOut">
               <a:rPr lang="zh-CN" altLang="en-US" smtClean="0"/>
               <a:t>2024/3/10</a:t>
             </a:fld>
@@ -265,7 +265,7 @@
           <p:cNvPr id="5" name="页脚占位符 4">
             <a:extLst>
               <a:ext uri="{FF2B5EF4-FFF2-40B4-BE49-F238E27FC236}">
-                <a16:creationId xmlns:a16="http://schemas.microsoft.com/office/drawing/2014/main" id="{C45C34A2-59B3-5AC0-D0D1-490C298EB18E}"/>
+                <a16:creationId xmlns:a16="http://schemas.microsoft.com/office/drawing/2014/main" id="{BFEE8223-C271-480E-6F64-EC03EEAC9A8A}"/>
               </a:ext>
             </a:extLst>
           </p:cNvPr>
@@ -290,7 +290,7 @@
           <p:cNvPr id="6" name="灯片编号占位符 5">
             <a:extLst>
               <a:ext uri="{FF2B5EF4-FFF2-40B4-BE49-F238E27FC236}">
-                <a16:creationId xmlns:a16="http://schemas.microsoft.com/office/drawing/2014/main" id="{E8B3450D-81A8-0AE5-4520-C29293BE6705}"/>
+                <a16:creationId xmlns:a16="http://schemas.microsoft.com/office/drawing/2014/main" id="{28B4520A-3D65-8641-DF4F-0BD291DDA507}"/>
               </a:ext>
             </a:extLst>
           </p:cNvPr>
@@ -306,7 +306,7 @@
           <a:bodyPr/>
           <a:lstStyle/>
           <a:p>
-            <a:fld id="{4F2C2697-7EB8-47A2-A4ED-C85DBA90E905}" type="slidenum">
+            <a:fld id="{F66DEC5B-F521-44B0-8235-B7B651A0AC48}" type="slidenum">
               <a:rPr lang="zh-CN" altLang="en-US" smtClean="0"/>
               <a:t>‹#›</a:t>
             </a:fld>
@@ -317,7 +317,7 @@
     </p:spTree>
     <p:extLst>
       <p:ext uri="{BB962C8B-B14F-4D97-AF65-F5344CB8AC3E}">
-        <p14:creationId xmlns:p14="http://schemas.microsoft.com/office/powerpoint/2010/main" val="3543057203"/>
+        <p14:creationId xmlns:p14="http://schemas.microsoft.com/office/powerpoint/2010/main" val="1791273116"/>
       </p:ext>
     </p:extLst>
   </p:cSld>
@@ -349,7 +349,7 @@
           <p:cNvPr id="2" name="标题 1">
             <a:extLst>
               <a:ext uri="{FF2B5EF4-FFF2-40B4-BE49-F238E27FC236}">
-                <a16:creationId xmlns:a16="http://schemas.microsoft.com/office/drawing/2014/main" id="{F1064CFE-5946-D613-2F9A-BA6ED0F02E36}"/>
+                <a16:creationId xmlns:a16="http://schemas.microsoft.com/office/drawing/2014/main" id="{AD0E929C-16BC-5450-350C-22E0FA679E80}"/>
               </a:ext>
             </a:extLst>
           </p:cNvPr>
@@ -377,7 +377,7 @@
           <p:cNvPr id="3" name="竖排文字占位符 2">
             <a:extLst>
               <a:ext uri="{FF2B5EF4-FFF2-40B4-BE49-F238E27FC236}">
-                <a16:creationId xmlns:a16="http://schemas.microsoft.com/office/drawing/2014/main" id="{F0556CA0-5CA4-CA69-1B94-FE9AC1F31D44}"/>
+                <a16:creationId xmlns:a16="http://schemas.microsoft.com/office/drawing/2014/main" id="{3D0E355F-644B-D4D3-BE45-C27A5D6DBAA4}"/>
               </a:ext>
             </a:extLst>
           </p:cNvPr>
@@ -434,7 +434,7 @@
           <p:cNvPr id="4" name="日期占位符 3">
             <a:extLst>
               <a:ext uri="{FF2B5EF4-FFF2-40B4-BE49-F238E27FC236}">
-                <a16:creationId xmlns:a16="http://schemas.microsoft.com/office/drawing/2014/main" id="{E0700BF9-96E8-0A77-EAE6-2B0F387262BE}"/>
+                <a16:creationId xmlns:a16="http://schemas.microsoft.com/office/drawing/2014/main" id="{4163A62B-AC67-EB1B-2819-23DF503247DF}"/>
               </a:ext>
             </a:extLst>
           </p:cNvPr>
@@ -450,7 +450,7 @@
           <a:bodyPr/>
           <a:lstStyle/>
           <a:p>
-            <a:fld id="{3B3991B9-1EDC-46A0-A7AE-5EC6A60F8FDB}" type="datetimeFigureOut">
+            <a:fld id="{6B50C960-F511-4557-BFD6-27AEE47BBAFF}" type="datetimeFigureOut">
               <a:rPr lang="zh-CN" altLang="en-US" smtClean="0"/>
               <a:t>2024/3/10</a:t>
             </a:fld>
@@ -463,7 +463,7 @@
           <p:cNvPr id="5" name="页脚占位符 4">
             <a:extLst>
               <a:ext uri="{FF2B5EF4-FFF2-40B4-BE49-F238E27FC236}">
-                <a16:creationId xmlns:a16="http://schemas.microsoft.com/office/drawing/2014/main" id="{72A7270B-3484-5B9D-6DF1-AA96B200D17B}"/>
+                <a16:creationId xmlns:a16="http://schemas.microsoft.com/office/drawing/2014/main" id="{D0DE5E92-0870-E151-F7D3-A10AB67E2D62}"/>
               </a:ext>
             </a:extLst>
           </p:cNvPr>
@@ -488,7 +488,7 @@
           <p:cNvPr id="6" name="灯片编号占位符 5">
             <a:extLst>
               <a:ext uri="{FF2B5EF4-FFF2-40B4-BE49-F238E27FC236}">
-                <a16:creationId xmlns:a16="http://schemas.microsoft.com/office/drawing/2014/main" id="{497E2E39-CEA1-C069-9739-4C4D666C8C23}"/>
+                <a16:creationId xmlns:a16="http://schemas.microsoft.com/office/drawing/2014/main" id="{21284137-2CE5-C1DC-FF52-0B782F0A7256}"/>
               </a:ext>
             </a:extLst>
           </p:cNvPr>
@@ -504,7 +504,7 @@
           <a:bodyPr/>
           <a:lstStyle/>
           <a:p>
-            <a:fld id="{4F2C2697-7EB8-47A2-A4ED-C85DBA90E905}" type="slidenum">
+            <a:fld id="{F66DEC5B-F521-44B0-8235-B7B651A0AC48}" type="slidenum">
               <a:rPr lang="zh-CN" altLang="en-US" smtClean="0"/>
               <a:t>‹#›</a:t>
             </a:fld>
@@ -515,7 +515,7 @@
     </p:spTree>
     <p:extLst>
       <p:ext uri="{BB962C8B-B14F-4D97-AF65-F5344CB8AC3E}">
-        <p14:creationId xmlns:p14="http://schemas.microsoft.com/office/powerpoint/2010/main" val="3011188582"/>
+        <p14:creationId xmlns:p14="http://schemas.microsoft.com/office/powerpoint/2010/main" val="812318241"/>
       </p:ext>
     </p:extLst>
   </p:cSld>
@@ -547,7 +547,7 @@
           <p:cNvPr id="2" name="竖排标题 1">
             <a:extLst>
               <a:ext uri="{FF2B5EF4-FFF2-40B4-BE49-F238E27FC236}">
-                <a16:creationId xmlns:a16="http://schemas.microsoft.com/office/drawing/2014/main" id="{405B516E-4B7A-3AE3-797E-5E3D433448DA}"/>
+                <a16:creationId xmlns:a16="http://schemas.microsoft.com/office/drawing/2014/main" id="{7E5D5051-8927-8FC8-8370-3A94033B2A9F}"/>
               </a:ext>
             </a:extLst>
           </p:cNvPr>
@@ -580,7 +580,7 @@
           <p:cNvPr id="3" name="竖排文字占位符 2">
             <a:extLst>
               <a:ext uri="{FF2B5EF4-FFF2-40B4-BE49-F238E27FC236}">
-                <a16:creationId xmlns:a16="http://schemas.microsoft.com/office/drawing/2014/main" id="{1BC69B7F-6F93-7CE4-5905-06AED54D1DA8}"/>
+                <a16:creationId xmlns:a16="http://schemas.microsoft.com/office/drawing/2014/main" id="{33C2BAFF-FCD4-C67D-7639-198A9006B949}"/>
               </a:ext>
             </a:extLst>
           </p:cNvPr>
@@ -642,7 +642,7 @@
           <p:cNvPr id="4" name="日期占位符 3">
             <a:extLst>
               <a:ext uri="{FF2B5EF4-FFF2-40B4-BE49-F238E27FC236}">
-                <a16:creationId xmlns:a16="http://schemas.microsoft.com/office/drawing/2014/main" id="{01244ED9-B16E-9687-16D1-2223F5100A6F}"/>
+                <a16:creationId xmlns:a16="http://schemas.microsoft.com/office/drawing/2014/main" id="{9B687F5A-250B-05C5-8BEA-9114F5D0CB36}"/>
               </a:ext>
             </a:extLst>
           </p:cNvPr>
@@ -658,7 +658,7 @@
           <a:bodyPr/>
           <a:lstStyle/>
           <a:p>
-            <a:fld id="{3B3991B9-1EDC-46A0-A7AE-5EC6A60F8FDB}" type="datetimeFigureOut">
+            <a:fld id="{6B50C960-F511-4557-BFD6-27AEE47BBAFF}" type="datetimeFigureOut">
               <a:rPr lang="zh-CN" altLang="en-US" smtClean="0"/>
               <a:t>2024/3/10</a:t>
             </a:fld>
@@ -671,7 +671,7 @@
           <p:cNvPr id="5" name="页脚占位符 4">
             <a:extLst>
               <a:ext uri="{FF2B5EF4-FFF2-40B4-BE49-F238E27FC236}">
-                <a16:creationId xmlns:a16="http://schemas.microsoft.com/office/drawing/2014/main" id="{E7F91158-077B-85CF-C55D-B59E16C6A637}"/>
+                <a16:creationId xmlns:a16="http://schemas.microsoft.com/office/drawing/2014/main" id="{20ECF2F7-1457-F7AC-D543-8F05A74E6B5A}"/>
               </a:ext>
             </a:extLst>
           </p:cNvPr>
@@ -696,7 +696,7 @@
           <p:cNvPr id="6" name="灯片编号占位符 5">
             <a:extLst>
               <a:ext uri="{FF2B5EF4-FFF2-40B4-BE49-F238E27FC236}">
-                <a16:creationId xmlns:a16="http://schemas.microsoft.com/office/drawing/2014/main" id="{801E002D-A42A-1E9D-88CF-CEA6715BB27A}"/>
+                <a16:creationId xmlns:a16="http://schemas.microsoft.com/office/drawing/2014/main" id="{A6C512B9-603E-E599-4762-ACCD11A76509}"/>
               </a:ext>
             </a:extLst>
           </p:cNvPr>
@@ -712,7 +712,7 @@
           <a:bodyPr/>
           <a:lstStyle/>
           <a:p>
-            <a:fld id="{4F2C2697-7EB8-47A2-A4ED-C85DBA90E905}" type="slidenum">
+            <a:fld id="{F66DEC5B-F521-44B0-8235-B7B651A0AC48}" type="slidenum">
               <a:rPr lang="zh-CN" altLang="en-US" smtClean="0"/>
               <a:t>‹#›</a:t>
             </a:fld>
@@ -723,7 +723,7 @@
     </p:spTree>
     <p:extLst>
       <p:ext uri="{BB962C8B-B14F-4D97-AF65-F5344CB8AC3E}">
-        <p14:creationId xmlns:p14="http://schemas.microsoft.com/office/powerpoint/2010/main" val="812892725"/>
+        <p14:creationId xmlns:p14="http://schemas.microsoft.com/office/powerpoint/2010/main" val="3526426307"/>
       </p:ext>
     </p:extLst>
   </p:cSld>
@@ -755,7 +755,7 @@
           <p:cNvPr id="2" name="标题 1">
             <a:extLst>
               <a:ext uri="{FF2B5EF4-FFF2-40B4-BE49-F238E27FC236}">
-                <a16:creationId xmlns:a16="http://schemas.microsoft.com/office/drawing/2014/main" id="{83F57244-42CC-9CAD-CE5E-CB0AFD484EC5}"/>
+                <a16:creationId xmlns:a16="http://schemas.microsoft.com/office/drawing/2014/main" id="{B5008468-A044-774D-EDD1-85DAE71AC377}"/>
               </a:ext>
             </a:extLst>
           </p:cNvPr>
@@ -783,7 +783,7 @@
           <p:cNvPr id="3" name="内容占位符 2">
             <a:extLst>
               <a:ext uri="{FF2B5EF4-FFF2-40B4-BE49-F238E27FC236}">
-                <a16:creationId xmlns:a16="http://schemas.microsoft.com/office/drawing/2014/main" id="{3912E49C-DE60-819E-28A9-EB1E3E874CB9}"/>
+                <a16:creationId xmlns:a16="http://schemas.microsoft.com/office/drawing/2014/main" id="{3A98E261-213E-9FCC-68C2-4D2AD1DB3794}"/>
               </a:ext>
             </a:extLst>
           </p:cNvPr>
@@ -840,7 +840,7 @@
           <p:cNvPr id="4" name="日期占位符 3">
             <a:extLst>
               <a:ext uri="{FF2B5EF4-FFF2-40B4-BE49-F238E27FC236}">
-                <a16:creationId xmlns:a16="http://schemas.microsoft.com/office/drawing/2014/main" id="{DFE40C73-5FA9-9FBF-57B1-52597A22E599}"/>
+                <a16:creationId xmlns:a16="http://schemas.microsoft.com/office/drawing/2014/main" id="{33B76A90-DDD0-C73D-4738-2918C4273705}"/>
               </a:ext>
             </a:extLst>
           </p:cNvPr>
@@ -856,7 +856,7 @@
           <a:bodyPr/>
           <a:lstStyle/>
           <a:p>
-            <a:fld id="{3B3991B9-1EDC-46A0-A7AE-5EC6A60F8FDB}" type="datetimeFigureOut">
+            <a:fld id="{6B50C960-F511-4557-BFD6-27AEE47BBAFF}" type="datetimeFigureOut">
               <a:rPr lang="zh-CN" altLang="en-US" smtClean="0"/>
               <a:t>2024/3/10</a:t>
             </a:fld>
@@ -869,7 +869,7 @@
           <p:cNvPr id="5" name="页脚占位符 4">
             <a:extLst>
               <a:ext uri="{FF2B5EF4-FFF2-40B4-BE49-F238E27FC236}">
-                <a16:creationId xmlns:a16="http://schemas.microsoft.com/office/drawing/2014/main" id="{FC31E1E5-A336-D40F-9B97-7CA3BBC9AA37}"/>
+                <a16:creationId xmlns:a16="http://schemas.microsoft.com/office/drawing/2014/main" id="{997237A7-F991-E5C3-11A5-E5EA8A6F7BA7}"/>
               </a:ext>
             </a:extLst>
           </p:cNvPr>
@@ -894,7 +894,7 @@
           <p:cNvPr id="6" name="灯片编号占位符 5">
             <a:extLst>
               <a:ext uri="{FF2B5EF4-FFF2-40B4-BE49-F238E27FC236}">
-                <a16:creationId xmlns:a16="http://schemas.microsoft.com/office/drawing/2014/main" id="{46BF4999-58E0-11F5-A040-82414D0B9EC8}"/>
+                <a16:creationId xmlns:a16="http://schemas.microsoft.com/office/drawing/2014/main" id="{E9476545-DE59-FBB5-45E5-3314C08C2AE1}"/>
               </a:ext>
             </a:extLst>
           </p:cNvPr>
@@ -910,7 +910,7 @@
           <a:bodyPr/>
           <a:lstStyle/>
           <a:p>
-            <a:fld id="{4F2C2697-7EB8-47A2-A4ED-C85DBA90E905}" type="slidenum">
+            <a:fld id="{F66DEC5B-F521-44B0-8235-B7B651A0AC48}" type="slidenum">
               <a:rPr lang="zh-CN" altLang="en-US" smtClean="0"/>
               <a:t>‹#›</a:t>
             </a:fld>
@@ -921,7 +921,7 @@
     </p:spTree>
     <p:extLst>
       <p:ext uri="{BB962C8B-B14F-4D97-AF65-F5344CB8AC3E}">
-        <p14:creationId xmlns:p14="http://schemas.microsoft.com/office/powerpoint/2010/main" val="415526588"/>
+        <p14:creationId xmlns:p14="http://schemas.microsoft.com/office/powerpoint/2010/main" val="3504101568"/>
       </p:ext>
     </p:extLst>
   </p:cSld>
@@ -953,7 +953,7 @@
           <p:cNvPr id="2" name="标题 1">
             <a:extLst>
               <a:ext uri="{FF2B5EF4-FFF2-40B4-BE49-F238E27FC236}">
-                <a16:creationId xmlns:a16="http://schemas.microsoft.com/office/drawing/2014/main" id="{31C9F348-ED46-7BE4-0975-5D857B2C59BF}"/>
+                <a16:creationId xmlns:a16="http://schemas.microsoft.com/office/drawing/2014/main" id="{F2A825E5-08EA-268E-B30D-BA58EB0AB77E}"/>
               </a:ext>
             </a:extLst>
           </p:cNvPr>
@@ -990,7 +990,7 @@
           <p:cNvPr id="3" name="文本占位符 2">
             <a:extLst>
               <a:ext uri="{FF2B5EF4-FFF2-40B4-BE49-F238E27FC236}">
-                <a16:creationId xmlns:a16="http://schemas.microsoft.com/office/drawing/2014/main" id="{8A1DE0DC-23E0-B6C5-875D-7F9213BEEB85}"/>
+                <a16:creationId xmlns:a16="http://schemas.microsoft.com/office/drawing/2014/main" id="{DC38A690-4332-A2CD-00FB-DA7331529080}"/>
               </a:ext>
             </a:extLst>
           </p:cNvPr>
@@ -1115,7 +1115,7 @@
           <p:cNvPr id="4" name="日期占位符 3">
             <a:extLst>
               <a:ext uri="{FF2B5EF4-FFF2-40B4-BE49-F238E27FC236}">
-                <a16:creationId xmlns:a16="http://schemas.microsoft.com/office/drawing/2014/main" id="{CBDEEC90-58B5-B104-E47B-2B55DDB1BF30}"/>
+                <a16:creationId xmlns:a16="http://schemas.microsoft.com/office/drawing/2014/main" id="{7F2993A3-5FD2-C63F-3266-906DE8ADED0E}"/>
               </a:ext>
             </a:extLst>
           </p:cNvPr>
@@ -1131,7 +1131,7 @@
           <a:bodyPr/>
           <a:lstStyle/>
           <a:p>
-            <a:fld id="{3B3991B9-1EDC-46A0-A7AE-5EC6A60F8FDB}" type="datetimeFigureOut">
+            <a:fld id="{6B50C960-F511-4557-BFD6-27AEE47BBAFF}" type="datetimeFigureOut">
               <a:rPr lang="zh-CN" altLang="en-US" smtClean="0"/>
               <a:t>2024/3/10</a:t>
             </a:fld>
@@ -1144,7 +1144,7 @@
           <p:cNvPr id="5" name="页脚占位符 4">
             <a:extLst>
               <a:ext uri="{FF2B5EF4-FFF2-40B4-BE49-F238E27FC236}">
-                <a16:creationId xmlns:a16="http://schemas.microsoft.com/office/drawing/2014/main" id="{75A09C50-48F8-10A8-8684-996758663E70}"/>
+                <a16:creationId xmlns:a16="http://schemas.microsoft.com/office/drawing/2014/main" id="{2F3B70D1-1D68-2B54-6056-CDB22C9CA7E1}"/>
               </a:ext>
             </a:extLst>
           </p:cNvPr>
@@ -1169,7 +1169,7 @@
           <p:cNvPr id="6" name="灯片编号占位符 5">
             <a:extLst>
               <a:ext uri="{FF2B5EF4-FFF2-40B4-BE49-F238E27FC236}">
-                <a16:creationId xmlns:a16="http://schemas.microsoft.com/office/drawing/2014/main" id="{601F726A-8CEC-50A6-C2EC-12BCDAEFF11C}"/>
+                <a16:creationId xmlns:a16="http://schemas.microsoft.com/office/drawing/2014/main" id="{A2B09AED-A4C5-8612-C244-34B779BF04B6}"/>
               </a:ext>
             </a:extLst>
           </p:cNvPr>
@@ -1185,7 +1185,7 @@
           <a:bodyPr/>
           <a:lstStyle/>
           <a:p>
-            <a:fld id="{4F2C2697-7EB8-47A2-A4ED-C85DBA90E905}" type="slidenum">
+            <a:fld id="{F66DEC5B-F521-44B0-8235-B7B651A0AC48}" type="slidenum">
               <a:rPr lang="zh-CN" altLang="en-US" smtClean="0"/>
               <a:t>‹#›</a:t>
             </a:fld>
@@ -1196,7 +1196,7 @@
     </p:spTree>
     <p:extLst>
       <p:ext uri="{BB962C8B-B14F-4D97-AF65-F5344CB8AC3E}">
-        <p14:creationId xmlns:p14="http://schemas.microsoft.com/office/powerpoint/2010/main" val="3467178017"/>
+        <p14:creationId xmlns:p14="http://schemas.microsoft.com/office/powerpoint/2010/main" val="1676191467"/>
       </p:ext>
     </p:extLst>
   </p:cSld>
@@ -1228,7 +1228,7 @@
           <p:cNvPr id="2" name="标题 1">
             <a:extLst>
               <a:ext uri="{FF2B5EF4-FFF2-40B4-BE49-F238E27FC236}">
-                <a16:creationId xmlns:a16="http://schemas.microsoft.com/office/drawing/2014/main" id="{92043B47-8DC4-7AC3-57E2-54A46A06FDBE}"/>
+                <a16:creationId xmlns:a16="http://schemas.microsoft.com/office/drawing/2014/main" id="{1F73A2AC-5070-6611-7D38-9E1511F558C7}"/>
               </a:ext>
             </a:extLst>
           </p:cNvPr>
@@ -1256,7 +1256,7 @@
           <p:cNvPr id="3" name="内容占位符 2">
             <a:extLst>
               <a:ext uri="{FF2B5EF4-FFF2-40B4-BE49-F238E27FC236}">
-                <a16:creationId xmlns:a16="http://schemas.microsoft.com/office/drawing/2014/main" id="{1C1AA5E0-921B-BA28-028B-F3C604F957AE}"/>
+                <a16:creationId xmlns:a16="http://schemas.microsoft.com/office/drawing/2014/main" id="{B188FFF5-8047-87D4-B622-1CF9D29C7FBE}"/>
               </a:ext>
             </a:extLst>
           </p:cNvPr>
@@ -1318,7 +1318,7 @@
           <p:cNvPr id="4" name="内容占位符 3">
             <a:extLst>
               <a:ext uri="{FF2B5EF4-FFF2-40B4-BE49-F238E27FC236}">
-                <a16:creationId xmlns:a16="http://schemas.microsoft.com/office/drawing/2014/main" id="{FBB49453-7730-7C01-392C-48FC6C47C8E9}"/>
+                <a16:creationId xmlns:a16="http://schemas.microsoft.com/office/drawing/2014/main" id="{9CF725DF-7887-5A24-3120-2A36803C7382}"/>
               </a:ext>
             </a:extLst>
           </p:cNvPr>
@@ -1380,7 +1380,7 @@
           <p:cNvPr id="5" name="日期占位符 4">
             <a:extLst>
               <a:ext uri="{FF2B5EF4-FFF2-40B4-BE49-F238E27FC236}">
-                <a16:creationId xmlns:a16="http://schemas.microsoft.com/office/drawing/2014/main" id="{AF42133F-2DFB-13A4-BB38-F575D41B9324}"/>
+                <a16:creationId xmlns:a16="http://schemas.microsoft.com/office/drawing/2014/main" id="{E8DE9285-56D4-683E-3583-EBD238DCF3E3}"/>
               </a:ext>
             </a:extLst>
           </p:cNvPr>
@@ -1396,7 +1396,7 @@
           <a:bodyPr/>
           <a:lstStyle/>
           <a:p>
-            <a:fld id="{3B3991B9-1EDC-46A0-A7AE-5EC6A60F8FDB}" type="datetimeFigureOut">
+            <a:fld id="{6B50C960-F511-4557-BFD6-27AEE47BBAFF}" type="datetimeFigureOut">
               <a:rPr lang="zh-CN" altLang="en-US" smtClean="0"/>
               <a:t>2024/3/10</a:t>
             </a:fld>
@@ -1409,7 +1409,7 @@
           <p:cNvPr id="6" name="页脚占位符 5">
             <a:extLst>
               <a:ext uri="{FF2B5EF4-FFF2-40B4-BE49-F238E27FC236}">
-                <a16:creationId xmlns:a16="http://schemas.microsoft.com/office/drawing/2014/main" id="{00FF02BC-FD27-A374-C194-45396ED068FB}"/>
+                <a16:creationId xmlns:a16="http://schemas.microsoft.com/office/drawing/2014/main" id="{4DE6C9BE-F544-1580-0137-7B309F07E782}"/>
               </a:ext>
             </a:extLst>
           </p:cNvPr>
@@ -1434,7 +1434,7 @@
           <p:cNvPr id="7" name="灯片编号占位符 6">
             <a:extLst>
               <a:ext uri="{FF2B5EF4-FFF2-40B4-BE49-F238E27FC236}">
-                <a16:creationId xmlns:a16="http://schemas.microsoft.com/office/drawing/2014/main" id="{1120444B-D51A-8D4B-EC5E-D3B8469D00DE}"/>
+                <a16:creationId xmlns:a16="http://schemas.microsoft.com/office/drawing/2014/main" id="{8A5BEB8B-8331-1228-B394-23302CAD17DB}"/>
               </a:ext>
             </a:extLst>
           </p:cNvPr>
@@ -1450,7 +1450,7 @@
           <a:bodyPr/>
           <a:lstStyle/>
           <a:p>
-            <a:fld id="{4F2C2697-7EB8-47A2-A4ED-C85DBA90E905}" type="slidenum">
+            <a:fld id="{F66DEC5B-F521-44B0-8235-B7B651A0AC48}" type="slidenum">
               <a:rPr lang="zh-CN" altLang="en-US" smtClean="0"/>
               <a:t>‹#›</a:t>
             </a:fld>
@@ -1461,7 +1461,7 @@
     </p:spTree>
     <p:extLst>
       <p:ext uri="{BB962C8B-B14F-4D97-AF65-F5344CB8AC3E}">
-        <p14:creationId xmlns:p14="http://schemas.microsoft.com/office/powerpoint/2010/main" val="3154699898"/>
+        <p14:creationId xmlns:p14="http://schemas.microsoft.com/office/powerpoint/2010/main" val="2523118148"/>
       </p:ext>
     </p:extLst>
   </p:cSld>
@@ -1493,7 +1493,7 @@
           <p:cNvPr id="2" name="标题 1">
             <a:extLst>
               <a:ext uri="{FF2B5EF4-FFF2-40B4-BE49-F238E27FC236}">
-                <a16:creationId xmlns:a16="http://schemas.microsoft.com/office/drawing/2014/main" id="{3461C479-6D6C-37C7-2D9B-C53EADBEFB3A}"/>
+                <a16:creationId xmlns:a16="http://schemas.microsoft.com/office/drawing/2014/main" id="{B9891F12-5BF5-2D2E-CC1F-A2A29829E08C}"/>
               </a:ext>
             </a:extLst>
           </p:cNvPr>
@@ -1526,7 +1526,7 @@
           <p:cNvPr id="3" name="文本占位符 2">
             <a:extLst>
               <a:ext uri="{FF2B5EF4-FFF2-40B4-BE49-F238E27FC236}">
-                <a16:creationId xmlns:a16="http://schemas.microsoft.com/office/drawing/2014/main" id="{BBB1D9F8-CAE5-D471-1A62-70894611665E}"/>
+                <a16:creationId xmlns:a16="http://schemas.microsoft.com/office/drawing/2014/main" id="{6CBBF766-C291-BD35-910B-8F4B8F6B177E}"/>
               </a:ext>
             </a:extLst>
           </p:cNvPr>
@@ -1597,7 +1597,7 @@
           <p:cNvPr id="4" name="内容占位符 3">
             <a:extLst>
               <a:ext uri="{FF2B5EF4-FFF2-40B4-BE49-F238E27FC236}">
-                <a16:creationId xmlns:a16="http://schemas.microsoft.com/office/drawing/2014/main" id="{DCDCFE5A-B86A-2958-AEDD-E7DB1A1B92D0}"/>
+                <a16:creationId xmlns:a16="http://schemas.microsoft.com/office/drawing/2014/main" id="{03345DAC-579B-C6CF-B00B-6483F7960908}"/>
               </a:ext>
             </a:extLst>
           </p:cNvPr>
@@ -1659,7 +1659,7 @@
           <p:cNvPr id="5" name="文本占位符 4">
             <a:extLst>
               <a:ext uri="{FF2B5EF4-FFF2-40B4-BE49-F238E27FC236}">
-                <a16:creationId xmlns:a16="http://schemas.microsoft.com/office/drawing/2014/main" id="{C290CD75-5AFB-68F4-34C9-78CB1F61E725}"/>
+                <a16:creationId xmlns:a16="http://schemas.microsoft.com/office/drawing/2014/main" id="{DCB231FE-0FCE-D3CB-A66E-508F283597AF}"/>
               </a:ext>
             </a:extLst>
           </p:cNvPr>
@@ -1730,7 +1730,7 @@
           <p:cNvPr id="6" name="内容占位符 5">
             <a:extLst>
               <a:ext uri="{FF2B5EF4-FFF2-40B4-BE49-F238E27FC236}">
-                <a16:creationId xmlns:a16="http://schemas.microsoft.com/office/drawing/2014/main" id="{6792A900-DFC2-4BD2-87A1-F161A0FB8903}"/>
+                <a16:creationId xmlns:a16="http://schemas.microsoft.com/office/drawing/2014/main" id="{11B97161-C3DD-D5F4-359B-C2CFAC9ABCC3}"/>
               </a:ext>
             </a:extLst>
           </p:cNvPr>
@@ -1792,7 +1792,7 @@
           <p:cNvPr id="7" name="日期占位符 6">
             <a:extLst>
               <a:ext uri="{FF2B5EF4-FFF2-40B4-BE49-F238E27FC236}">
-                <a16:creationId xmlns:a16="http://schemas.microsoft.com/office/drawing/2014/main" id="{7732F131-9A99-A641-BDBA-25DD1D37F1D7}"/>
+                <a16:creationId xmlns:a16="http://schemas.microsoft.com/office/drawing/2014/main" id="{876C4264-B7E8-1DAB-4ADE-E6D1BAD73C65}"/>
               </a:ext>
             </a:extLst>
           </p:cNvPr>
@@ -1808,7 +1808,7 @@
           <a:bodyPr/>
           <a:lstStyle/>
           <a:p>
-            <a:fld id="{3B3991B9-1EDC-46A0-A7AE-5EC6A60F8FDB}" type="datetimeFigureOut">
+            <a:fld id="{6B50C960-F511-4557-BFD6-27AEE47BBAFF}" type="datetimeFigureOut">
               <a:rPr lang="zh-CN" altLang="en-US" smtClean="0"/>
               <a:t>2024/3/10</a:t>
             </a:fld>
@@ -1821,7 +1821,7 @@
           <p:cNvPr id="8" name="页脚占位符 7">
             <a:extLst>
               <a:ext uri="{FF2B5EF4-FFF2-40B4-BE49-F238E27FC236}">
-                <a16:creationId xmlns:a16="http://schemas.microsoft.com/office/drawing/2014/main" id="{0534EBA3-4D66-5D0B-C4E5-EBBD5A79E2E0}"/>
+                <a16:creationId xmlns:a16="http://schemas.microsoft.com/office/drawing/2014/main" id="{15CF4176-7408-9385-A9AC-7C77624117D8}"/>
               </a:ext>
             </a:extLst>
           </p:cNvPr>
@@ -1846,7 +1846,7 @@
           <p:cNvPr id="9" name="灯片编号占位符 8">
             <a:extLst>
               <a:ext uri="{FF2B5EF4-FFF2-40B4-BE49-F238E27FC236}">
-                <a16:creationId xmlns:a16="http://schemas.microsoft.com/office/drawing/2014/main" id="{99A2EE87-A3E3-40ED-5613-EEA3A0F2AFDB}"/>
+                <a16:creationId xmlns:a16="http://schemas.microsoft.com/office/drawing/2014/main" id="{6A371B2F-6700-4BCA-27CC-4D9F4B1315DE}"/>
               </a:ext>
             </a:extLst>
           </p:cNvPr>
@@ -1862,7 +1862,7 @@
           <a:bodyPr/>
           <a:lstStyle/>
           <a:p>
-            <a:fld id="{4F2C2697-7EB8-47A2-A4ED-C85DBA90E905}" type="slidenum">
+            <a:fld id="{F66DEC5B-F521-44B0-8235-B7B651A0AC48}" type="slidenum">
               <a:rPr lang="zh-CN" altLang="en-US" smtClean="0"/>
               <a:t>‹#›</a:t>
             </a:fld>
@@ -1873,7 +1873,7 @@
     </p:spTree>
     <p:extLst>
       <p:ext uri="{BB962C8B-B14F-4D97-AF65-F5344CB8AC3E}">
-        <p14:creationId xmlns:p14="http://schemas.microsoft.com/office/powerpoint/2010/main" val="1817243661"/>
+        <p14:creationId xmlns:p14="http://schemas.microsoft.com/office/powerpoint/2010/main" val="680853571"/>
       </p:ext>
     </p:extLst>
   </p:cSld>
@@ -1905,7 +1905,7 @@
           <p:cNvPr id="2" name="标题 1">
             <a:extLst>
               <a:ext uri="{FF2B5EF4-FFF2-40B4-BE49-F238E27FC236}">
-                <a16:creationId xmlns:a16="http://schemas.microsoft.com/office/drawing/2014/main" id="{73624615-DB77-3C9B-A5BC-807169877100}"/>
+                <a16:creationId xmlns:a16="http://schemas.microsoft.com/office/drawing/2014/main" id="{9A9CB00B-23FA-D06B-1B60-A98F8A7273B9}"/>
               </a:ext>
             </a:extLst>
           </p:cNvPr>
@@ -1933,7 +1933,7 @@
           <p:cNvPr id="3" name="日期占位符 2">
             <a:extLst>
               <a:ext uri="{FF2B5EF4-FFF2-40B4-BE49-F238E27FC236}">
-                <a16:creationId xmlns:a16="http://schemas.microsoft.com/office/drawing/2014/main" id="{8A3746FB-93BB-8124-669C-155D9C41395C}"/>
+                <a16:creationId xmlns:a16="http://schemas.microsoft.com/office/drawing/2014/main" id="{EE5F0426-AF6E-54AD-18A0-1AC93DE85839}"/>
               </a:ext>
             </a:extLst>
           </p:cNvPr>
@@ -1949,7 +1949,7 @@
           <a:bodyPr/>
           <a:lstStyle/>
           <a:p>
-            <a:fld id="{3B3991B9-1EDC-46A0-A7AE-5EC6A60F8FDB}" type="datetimeFigureOut">
+            <a:fld id="{6B50C960-F511-4557-BFD6-27AEE47BBAFF}" type="datetimeFigureOut">
               <a:rPr lang="zh-CN" altLang="en-US" smtClean="0"/>
               <a:t>2024/3/10</a:t>
             </a:fld>
@@ -1962,7 +1962,7 @@
           <p:cNvPr id="4" name="页脚占位符 3">
             <a:extLst>
               <a:ext uri="{FF2B5EF4-FFF2-40B4-BE49-F238E27FC236}">
-                <a16:creationId xmlns:a16="http://schemas.microsoft.com/office/drawing/2014/main" id="{8993E05D-E55F-D6D5-427B-F83C9F7E3000}"/>
+                <a16:creationId xmlns:a16="http://schemas.microsoft.com/office/drawing/2014/main" id="{9A9DA105-C587-6203-21D3-CE45F9AED6B7}"/>
               </a:ext>
             </a:extLst>
           </p:cNvPr>
@@ -1987,7 +1987,7 @@
           <p:cNvPr id="5" name="灯片编号占位符 4">
             <a:extLst>
               <a:ext uri="{FF2B5EF4-FFF2-40B4-BE49-F238E27FC236}">
-                <a16:creationId xmlns:a16="http://schemas.microsoft.com/office/drawing/2014/main" id="{BD99CAE9-1B49-7722-4896-BDC606EA3129}"/>
+                <a16:creationId xmlns:a16="http://schemas.microsoft.com/office/drawing/2014/main" id="{13CDBCF5-26EB-8850-0D8C-DD879F8EE018}"/>
               </a:ext>
             </a:extLst>
           </p:cNvPr>
@@ -2003,7 +2003,7 @@
           <a:bodyPr/>
           <a:lstStyle/>
           <a:p>
-            <a:fld id="{4F2C2697-7EB8-47A2-A4ED-C85DBA90E905}" type="slidenum">
+            <a:fld id="{F66DEC5B-F521-44B0-8235-B7B651A0AC48}" type="slidenum">
               <a:rPr lang="zh-CN" altLang="en-US" smtClean="0"/>
               <a:t>‹#›</a:t>
             </a:fld>
@@ -2014,7 +2014,7 @@
     </p:spTree>
     <p:extLst>
       <p:ext uri="{BB962C8B-B14F-4D97-AF65-F5344CB8AC3E}">
-        <p14:creationId xmlns:p14="http://schemas.microsoft.com/office/powerpoint/2010/main" val="1582973703"/>
+        <p14:creationId xmlns:p14="http://schemas.microsoft.com/office/powerpoint/2010/main" val="1383870656"/>
       </p:ext>
     </p:extLst>
   </p:cSld>
@@ -2046,7 +2046,7 @@
           <p:cNvPr id="2" name="日期占位符 1">
             <a:extLst>
               <a:ext uri="{FF2B5EF4-FFF2-40B4-BE49-F238E27FC236}">
-                <a16:creationId xmlns:a16="http://schemas.microsoft.com/office/drawing/2014/main" id="{5B98123E-657C-01FE-1103-4DA3C83EFEEA}"/>
+                <a16:creationId xmlns:a16="http://schemas.microsoft.com/office/drawing/2014/main" id="{F38F5065-5653-2B88-236A-1BEA74336251}"/>
               </a:ext>
             </a:extLst>
           </p:cNvPr>
@@ -2062,7 +2062,7 @@
           <a:bodyPr/>
           <a:lstStyle/>
           <a:p>
-            <a:fld id="{3B3991B9-1EDC-46A0-A7AE-5EC6A60F8FDB}" type="datetimeFigureOut">
+            <a:fld id="{6B50C960-F511-4557-BFD6-27AEE47BBAFF}" type="datetimeFigureOut">
               <a:rPr lang="zh-CN" altLang="en-US" smtClean="0"/>
               <a:t>2024/3/10</a:t>
             </a:fld>
@@ -2075,7 +2075,7 @@
           <p:cNvPr id="3" name="页脚占位符 2">
             <a:extLst>
               <a:ext uri="{FF2B5EF4-FFF2-40B4-BE49-F238E27FC236}">
-                <a16:creationId xmlns:a16="http://schemas.microsoft.com/office/drawing/2014/main" id="{F3A93218-C8CF-7816-3978-B38FC2089956}"/>
+                <a16:creationId xmlns:a16="http://schemas.microsoft.com/office/drawing/2014/main" id="{7D974CDF-8552-0392-6967-47EA02D30D43}"/>
               </a:ext>
             </a:extLst>
           </p:cNvPr>
@@ -2100,7 +2100,7 @@
           <p:cNvPr id="4" name="灯片编号占位符 3">
             <a:extLst>
               <a:ext uri="{FF2B5EF4-FFF2-40B4-BE49-F238E27FC236}">
-                <a16:creationId xmlns:a16="http://schemas.microsoft.com/office/drawing/2014/main" id="{5DABBABA-6960-73FF-48E8-37F4643DBE52}"/>
+                <a16:creationId xmlns:a16="http://schemas.microsoft.com/office/drawing/2014/main" id="{6C0C27CD-7467-93D9-D3BA-BF0F121FCAE9}"/>
               </a:ext>
             </a:extLst>
           </p:cNvPr>
@@ -2116,7 +2116,7 @@
           <a:bodyPr/>
           <a:lstStyle/>
           <a:p>
-            <a:fld id="{4F2C2697-7EB8-47A2-A4ED-C85DBA90E905}" type="slidenum">
+            <a:fld id="{F66DEC5B-F521-44B0-8235-B7B651A0AC48}" type="slidenum">
               <a:rPr lang="zh-CN" altLang="en-US" smtClean="0"/>
               <a:t>‹#›</a:t>
             </a:fld>
@@ -2127,7 +2127,7 @@
     </p:spTree>
     <p:extLst>
       <p:ext uri="{BB962C8B-B14F-4D97-AF65-F5344CB8AC3E}">
-        <p14:creationId xmlns:p14="http://schemas.microsoft.com/office/powerpoint/2010/main" val="2824736509"/>
+        <p14:creationId xmlns:p14="http://schemas.microsoft.com/office/powerpoint/2010/main" val="2403733248"/>
       </p:ext>
     </p:extLst>
   </p:cSld>
@@ -2159,7 +2159,7 @@
           <p:cNvPr id="2" name="标题 1">
             <a:extLst>
               <a:ext uri="{FF2B5EF4-FFF2-40B4-BE49-F238E27FC236}">
-                <a16:creationId xmlns:a16="http://schemas.microsoft.com/office/drawing/2014/main" id="{40353553-516C-09FB-A848-39E56827473D}"/>
+                <a16:creationId xmlns:a16="http://schemas.microsoft.com/office/drawing/2014/main" id="{E4D107A5-C5B7-59FF-9265-6633A6C71996}"/>
               </a:ext>
             </a:extLst>
           </p:cNvPr>
@@ -2196,7 +2196,7 @@
           <p:cNvPr id="3" name="内容占位符 2">
             <a:extLst>
               <a:ext uri="{FF2B5EF4-FFF2-40B4-BE49-F238E27FC236}">
-                <a16:creationId xmlns:a16="http://schemas.microsoft.com/office/drawing/2014/main" id="{3489733D-24EC-A6EB-F6B0-A7745B6D8659}"/>
+                <a16:creationId xmlns:a16="http://schemas.microsoft.com/office/drawing/2014/main" id="{5126AB7C-F4AC-9F32-7871-734F5C4FEE22}"/>
               </a:ext>
             </a:extLst>
           </p:cNvPr>
@@ -2286,7 +2286,7 @@
           <p:cNvPr id="4" name="文本占位符 3">
             <a:extLst>
               <a:ext uri="{FF2B5EF4-FFF2-40B4-BE49-F238E27FC236}">
-                <a16:creationId xmlns:a16="http://schemas.microsoft.com/office/drawing/2014/main" id="{F197E68F-0253-379A-EFF2-D3D2C2A408F2}"/>
+                <a16:creationId xmlns:a16="http://schemas.microsoft.com/office/drawing/2014/main" id="{15147FF7-AD59-EBA5-4324-0904BD7242EB}"/>
               </a:ext>
             </a:extLst>
           </p:cNvPr>
@@ -2357,7 +2357,7 @@
           <p:cNvPr id="5" name="日期占位符 4">
             <a:extLst>
               <a:ext uri="{FF2B5EF4-FFF2-40B4-BE49-F238E27FC236}">
-                <a16:creationId xmlns:a16="http://schemas.microsoft.com/office/drawing/2014/main" id="{9EB8D484-C4F8-D7AC-41F7-3124779CDC6A}"/>
+                <a16:creationId xmlns:a16="http://schemas.microsoft.com/office/drawing/2014/main" id="{F3573A8D-B12C-B1D9-F537-A78F2140D8EF}"/>
               </a:ext>
             </a:extLst>
           </p:cNvPr>
@@ -2373,7 +2373,7 @@
           <a:bodyPr/>
           <a:lstStyle/>
           <a:p>
-            <a:fld id="{3B3991B9-1EDC-46A0-A7AE-5EC6A60F8FDB}" type="datetimeFigureOut">
+            <a:fld id="{6B50C960-F511-4557-BFD6-27AEE47BBAFF}" type="datetimeFigureOut">
               <a:rPr lang="zh-CN" altLang="en-US" smtClean="0"/>
               <a:t>2024/3/10</a:t>
             </a:fld>
@@ -2386,7 +2386,7 @@
           <p:cNvPr id="6" name="页脚占位符 5">
             <a:extLst>
               <a:ext uri="{FF2B5EF4-FFF2-40B4-BE49-F238E27FC236}">
-                <a16:creationId xmlns:a16="http://schemas.microsoft.com/office/drawing/2014/main" id="{93282C76-3242-C683-8C8D-537B90AF1023}"/>
+                <a16:creationId xmlns:a16="http://schemas.microsoft.com/office/drawing/2014/main" id="{76262907-5AEC-441F-7313-F104ED37EBB1}"/>
               </a:ext>
             </a:extLst>
           </p:cNvPr>
@@ -2411,7 +2411,7 @@
           <p:cNvPr id="7" name="灯片编号占位符 6">
             <a:extLst>
               <a:ext uri="{FF2B5EF4-FFF2-40B4-BE49-F238E27FC236}">
-                <a16:creationId xmlns:a16="http://schemas.microsoft.com/office/drawing/2014/main" id="{AA45DF51-53C6-F7C7-DC77-A427D126C226}"/>
+                <a16:creationId xmlns:a16="http://schemas.microsoft.com/office/drawing/2014/main" id="{9125ACE9-2498-CA44-D3F7-C0A16DC5FC31}"/>
               </a:ext>
             </a:extLst>
           </p:cNvPr>
@@ -2427,7 +2427,7 @@
           <a:bodyPr/>
           <a:lstStyle/>
           <a:p>
-            <a:fld id="{4F2C2697-7EB8-47A2-A4ED-C85DBA90E905}" type="slidenum">
+            <a:fld id="{F66DEC5B-F521-44B0-8235-B7B651A0AC48}" type="slidenum">
               <a:rPr lang="zh-CN" altLang="en-US" smtClean="0"/>
               <a:t>‹#›</a:t>
             </a:fld>
@@ -2438,7 +2438,7 @@
     </p:spTree>
     <p:extLst>
       <p:ext uri="{BB962C8B-B14F-4D97-AF65-F5344CB8AC3E}">
-        <p14:creationId xmlns:p14="http://schemas.microsoft.com/office/powerpoint/2010/main" val="3443721015"/>
+        <p14:creationId xmlns:p14="http://schemas.microsoft.com/office/powerpoint/2010/main" val="2672313162"/>
       </p:ext>
     </p:extLst>
   </p:cSld>
@@ -2470,7 +2470,7 @@
           <p:cNvPr id="2" name="标题 1">
             <a:extLst>
               <a:ext uri="{FF2B5EF4-FFF2-40B4-BE49-F238E27FC236}">
-                <a16:creationId xmlns:a16="http://schemas.microsoft.com/office/drawing/2014/main" id="{F70B93B3-29C0-A54E-7EDB-0679C54CBE29}"/>
+                <a16:creationId xmlns:a16="http://schemas.microsoft.com/office/drawing/2014/main" id="{9DA59535-3542-1877-0E13-AF949DDAFFE1}"/>
               </a:ext>
             </a:extLst>
           </p:cNvPr>
@@ -2507,7 +2507,7 @@
           <p:cNvPr id="3" name="图片占位符 2">
             <a:extLst>
               <a:ext uri="{FF2B5EF4-FFF2-40B4-BE49-F238E27FC236}">
-                <a16:creationId xmlns:a16="http://schemas.microsoft.com/office/drawing/2014/main" id="{F49C0F89-211A-C1DB-D2DC-A151D77D94C1}"/>
+                <a16:creationId xmlns:a16="http://schemas.microsoft.com/office/drawing/2014/main" id="{3984E01C-9CD1-F851-F0AD-354901F94A3B}"/>
               </a:ext>
             </a:extLst>
           </p:cNvPr>
@@ -2574,7 +2574,7 @@
           <p:cNvPr id="4" name="文本占位符 3">
             <a:extLst>
               <a:ext uri="{FF2B5EF4-FFF2-40B4-BE49-F238E27FC236}">
-                <a16:creationId xmlns:a16="http://schemas.microsoft.com/office/drawing/2014/main" id="{B05ED966-986F-66C7-0BFB-E8AFC1F5BA57}"/>
+                <a16:creationId xmlns:a16="http://schemas.microsoft.com/office/drawing/2014/main" id="{7AA5F60E-D69A-DDAA-E94F-86DEC0EA6D57}"/>
               </a:ext>
             </a:extLst>
           </p:cNvPr>
@@ -2645,7 +2645,7 @@
           <p:cNvPr id="5" name="日期占位符 4">
             <a:extLst>
               <a:ext uri="{FF2B5EF4-FFF2-40B4-BE49-F238E27FC236}">
-                <a16:creationId xmlns:a16="http://schemas.microsoft.com/office/drawing/2014/main" id="{0EA1E07C-B2A9-0F05-4EA2-A21C8339B9B5}"/>
+                <a16:creationId xmlns:a16="http://schemas.microsoft.com/office/drawing/2014/main" id="{C73A7EE9-30F0-BEBD-1243-F50ED50C29A9}"/>
               </a:ext>
             </a:extLst>
           </p:cNvPr>
@@ -2661,7 +2661,7 @@
           <a:bodyPr/>
           <a:lstStyle/>
           <a:p>
-            <a:fld id="{3B3991B9-1EDC-46A0-A7AE-5EC6A60F8FDB}" type="datetimeFigureOut">
+            <a:fld id="{6B50C960-F511-4557-BFD6-27AEE47BBAFF}" type="datetimeFigureOut">
               <a:rPr lang="zh-CN" altLang="en-US" smtClean="0"/>
               <a:t>2024/3/10</a:t>
             </a:fld>
@@ -2674,7 +2674,7 @@
           <p:cNvPr id="6" name="页脚占位符 5">
             <a:extLst>
               <a:ext uri="{FF2B5EF4-FFF2-40B4-BE49-F238E27FC236}">
-                <a16:creationId xmlns:a16="http://schemas.microsoft.com/office/drawing/2014/main" id="{0D9DEE0A-FA9A-5B1F-32A5-164C696E1B86}"/>
+                <a16:creationId xmlns:a16="http://schemas.microsoft.com/office/drawing/2014/main" id="{999C5FBF-E956-F8F1-986D-CB759ADC690F}"/>
               </a:ext>
             </a:extLst>
           </p:cNvPr>
@@ -2699,7 +2699,7 @@
           <p:cNvPr id="7" name="灯片编号占位符 6">
             <a:extLst>
               <a:ext uri="{FF2B5EF4-FFF2-40B4-BE49-F238E27FC236}">
-                <a16:creationId xmlns:a16="http://schemas.microsoft.com/office/drawing/2014/main" id="{94937E65-A5A2-A6D7-827E-876CB8F03BAD}"/>
+                <a16:creationId xmlns:a16="http://schemas.microsoft.com/office/drawing/2014/main" id="{EB5D6808-B72F-5036-488B-71E65C8FB68A}"/>
               </a:ext>
             </a:extLst>
           </p:cNvPr>
@@ -2715,7 +2715,7 @@
           <a:bodyPr/>
           <a:lstStyle/>
           <a:p>
-            <a:fld id="{4F2C2697-7EB8-47A2-A4ED-C85DBA90E905}" type="slidenum">
+            <a:fld id="{F66DEC5B-F521-44B0-8235-B7B651A0AC48}" type="slidenum">
               <a:rPr lang="zh-CN" altLang="en-US" smtClean="0"/>
               <a:t>‹#›</a:t>
             </a:fld>
@@ -2726,7 +2726,7 @@
     </p:spTree>
     <p:extLst>
       <p:ext uri="{BB962C8B-B14F-4D97-AF65-F5344CB8AC3E}">
-        <p14:creationId xmlns:p14="http://schemas.microsoft.com/office/powerpoint/2010/main" val="2227852990"/>
+        <p14:creationId xmlns:p14="http://schemas.microsoft.com/office/powerpoint/2010/main" val="1376142542"/>
       </p:ext>
     </p:extLst>
   </p:cSld>
@@ -2763,7 +2763,7 @@
           <p:cNvPr id="2" name="标题占位符 1">
             <a:extLst>
               <a:ext uri="{FF2B5EF4-FFF2-40B4-BE49-F238E27FC236}">
-                <a16:creationId xmlns:a16="http://schemas.microsoft.com/office/drawing/2014/main" id="{71DBEE96-AED0-BA34-6030-FEDC611D2445}"/>
+                <a16:creationId xmlns:a16="http://schemas.microsoft.com/office/drawing/2014/main" id="{412DA6FB-FE6B-51D1-CCCE-2C9DCDC57BAC}"/>
               </a:ext>
             </a:extLst>
           </p:cNvPr>
@@ -2801,7 +2801,7 @@
           <p:cNvPr id="3" name="文本占位符 2">
             <a:extLst>
               <a:ext uri="{FF2B5EF4-FFF2-40B4-BE49-F238E27FC236}">
-                <a16:creationId xmlns:a16="http://schemas.microsoft.com/office/drawing/2014/main" id="{C0C3EE28-B2F7-2775-D055-49F15BAB2F45}"/>
+                <a16:creationId xmlns:a16="http://schemas.microsoft.com/office/drawing/2014/main" id="{74F20199-650E-1C75-E8B7-55B2A67AD18D}"/>
               </a:ext>
             </a:extLst>
           </p:cNvPr>
@@ -2868,7 +2868,7 @@
           <p:cNvPr id="4" name="日期占位符 3">
             <a:extLst>
               <a:ext uri="{FF2B5EF4-FFF2-40B4-BE49-F238E27FC236}">
-                <a16:creationId xmlns:a16="http://schemas.microsoft.com/office/drawing/2014/main" id="{A3B7AC56-EB1D-65AE-EF6A-1D6ECFF11F93}"/>
+                <a16:creationId xmlns:a16="http://schemas.microsoft.com/office/drawing/2014/main" id="{A925A0A3-75ED-C4E5-AF2A-8EDA70E3BD31}"/>
               </a:ext>
             </a:extLst>
           </p:cNvPr>
@@ -2902,7 +2902,7 @@
             </a:lvl1pPr>
           </a:lstStyle>
           <a:p>
-            <a:fld id="{3B3991B9-1EDC-46A0-A7AE-5EC6A60F8FDB}" type="datetimeFigureOut">
+            <a:fld id="{6B50C960-F511-4557-BFD6-27AEE47BBAFF}" type="datetimeFigureOut">
               <a:rPr lang="zh-CN" altLang="en-US" smtClean="0"/>
               <a:t>2024/3/10</a:t>
             </a:fld>
@@ -2915,7 +2915,7 @@
           <p:cNvPr id="5" name="页脚占位符 4">
             <a:extLst>
               <a:ext uri="{FF2B5EF4-FFF2-40B4-BE49-F238E27FC236}">
-                <a16:creationId xmlns:a16="http://schemas.microsoft.com/office/drawing/2014/main" id="{45FC7833-9308-F784-5B7C-BAF5916E335C}"/>
+                <a16:creationId xmlns:a16="http://schemas.microsoft.com/office/drawing/2014/main" id="{B0DEBE4D-C635-4C63-7F39-B484D7F4E6A5}"/>
               </a:ext>
             </a:extLst>
           </p:cNvPr>
@@ -2958,7 +2958,7 @@
           <p:cNvPr id="6" name="灯片编号占位符 5">
             <a:extLst>
               <a:ext uri="{FF2B5EF4-FFF2-40B4-BE49-F238E27FC236}">
-                <a16:creationId xmlns:a16="http://schemas.microsoft.com/office/drawing/2014/main" id="{5EF35008-2473-6F63-1004-FEC0F653606C}"/>
+                <a16:creationId xmlns:a16="http://schemas.microsoft.com/office/drawing/2014/main" id="{4B50BDE8-EEBB-7B77-A821-4F1A396CB598}"/>
               </a:ext>
             </a:extLst>
           </p:cNvPr>
@@ -2992,7 +2992,7 @@
             </a:lvl1pPr>
           </a:lstStyle>
           <a:p>
-            <a:fld id="{4F2C2697-7EB8-47A2-A4ED-C85DBA90E905}" type="slidenum">
+            <a:fld id="{F66DEC5B-F521-44B0-8235-B7B651A0AC48}" type="slidenum">
               <a:rPr lang="zh-CN" altLang="en-US" smtClean="0"/>
               <a:t>‹#›</a:t>
             </a:fld>
@@ -3003,7 +3003,7 @@
     </p:spTree>
     <p:extLst>
       <p:ext uri="{BB962C8B-B14F-4D97-AF65-F5344CB8AC3E}">
-        <p14:creationId xmlns:p14="http://schemas.microsoft.com/office/powerpoint/2010/main" val="2399185919"/>
+        <p14:creationId xmlns:p14="http://schemas.microsoft.com/office/powerpoint/2010/main" val="624108029"/>
       </p:ext>
     </p:extLst>
   </p:cSld>
